--- a/Recap/Recap.pptx
+++ b/Recap/Recap.pptx
@@ -6,6 +6,12 @@
   </p:sldMasterIdLst>
   <p:sldIdLst>
     <p:sldId id="256" r:id="rId2"/>
+    <p:sldId id="257" r:id="rId3"/>
+    <p:sldId id="259" r:id="rId4"/>
+    <p:sldId id="258" r:id="rId5"/>
+    <p:sldId id="260" r:id="rId6"/>
+    <p:sldId id="261" r:id="rId7"/>
+    <p:sldId id="262" r:id="rId8"/>
   </p:sldIdLst>
   <p:sldSz cx="12192000" cy="6858000"/>
   <p:notesSz cx="6858000" cy="9144000"/>
@@ -2979,7 +2985,10 @@
           <a:bodyPr/>
           <a:lstStyle/>
           <a:p>
-            <a:endParaRPr lang="de-CH"/>
+            <a:r>
+              <a:rPr lang="de-CH" dirty="0"/>
+              <a:t>RECAP</a:t>
+            </a:r>
           </a:p>
         </p:txBody>
       </p:sp>
@@ -3006,6 +3015,881 @@
     <p:extLst>
       <p:ext uri="{BB962C8B-B14F-4D97-AF65-F5344CB8AC3E}">
         <p14:creationId xmlns:p14="http://schemas.microsoft.com/office/powerpoint/2010/main" val="2709220386"/>
+      </p:ext>
+    </p:extLst>
+  </p:cSld>
+  <p:clrMapOvr>
+    <a:masterClrMapping/>
+  </p:clrMapOvr>
+</p:sld>
+</file>
+
+<file path=ppt/slides/slide2.xml><?xml version="1.0" encoding="utf-8"?>
+<p:sld xmlns:a="http://schemas.openxmlformats.org/drawingml/2006/main" xmlns:r="http://schemas.openxmlformats.org/officeDocument/2006/relationships" xmlns:p="http://schemas.openxmlformats.org/presentationml/2006/main">
+  <p:cSld>
+    <p:spTree>
+      <p:nvGrpSpPr>
+        <p:cNvPr id="1" name=""/>
+        <p:cNvGrpSpPr/>
+        <p:nvPr/>
+      </p:nvGrpSpPr>
+      <p:grpSpPr>
+        <a:xfrm>
+          <a:off x="0" y="0"/>
+          <a:ext cx="0" cy="0"/>
+          <a:chOff x="0" y="0"/>
+          <a:chExt cx="0" cy="0"/>
+        </a:xfrm>
+      </p:grpSpPr>
+      <p:sp>
+        <p:nvSpPr>
+          <p:cNvPr id="2" name="Titel 1"/>
+          <p:cNvSpPr>
+            <a:spLocks noGrp="1"/>
+          </p:cNvSpPr>
+          <p:nvPr>
+            <p:ph type="title"/>
+          </p:nvPr>
+        </p:nvSpPr>
+        <p:spPr/>
+        <p:txBody>
+          <a:bodyPr/>
+          <a:lstStyle/>
+          <a:p>
+            <a:r>
+              <a:rPr lang="de-CH" dirty="0" err="1"/>
+              <a:t>Processor</a:t>
+            </a:r>
+            <a:r>
+              <a:rPr lang="de-CH" dirty="0"/>
+              <a:t> Expert</a:t>
+            </a:r>
+          </a:p>
+        </p:txBody>
+      </p:sp>
+      <p:sp>
+        <p:nvSpPr>
+          <p:cNvPr id="3" name="Inhaltsplatzhalter 2"/>
+          <p:cNvSpPr>
+            <a:spLocks noGrp="1"/>
+          </p:cNvSpPr>
+          <p:nvPr>
+            <p:ph idx="1"/>
+          </p:nvPr>
+        </p:nvSpPr>
+        <p:spPr/>
+        <p:txBody>
+          <a:bodyPr/>
+          <a:lstStyle/>
+          <a:p>
+            <a:pPr marL="0" indent="0">
+              <a:buNone/>
+            </a:pPr>
+            <a:r>
+              <a:rPr lang="de-CH" dirty="0"/>
+              <a:t>Problem: </a:t>
+            </a:r>
+            <a:r>
+              <a:rPr lang="de-CH" dirty="0" err="1"/>
+              <a:t>No</a:t>
+            </a:r>
+            <a:r>
+              <a:rPr lang="de-CH" dirty="0"/>
+              <a:t> time </a:t>
+            </a:r>
+            <a:r>
+              <a:rPr lang="en-US" dirty="0"/>
+              <a:t>to deal with the very low level</a:t>
+            </a:r>
+          </a:p>
+          <a:p>
+            <a:pPr marL="0" indent="0">
+              <a:buNone/>
+            </a:pPr>
+            <a:endParaRPr lang="en-US" dirty="0"/>
+          </a:p>
+          <a:p>
+            <a:pPr marL="0" indent="0">
+              <a:buNone/>
+            </a:pPr>
+            <a:r>
+              <a:rPr lang="en-US" dirty="0"/>
+              <a:t>Solution:  Blocks of an application with methods, events and properties</a:t>
+            </a:r>
+            <a:endParaRPr lang="de-CH" dirty="0"/>
+          </a:p>
+        </p:txBody>
+      </p:sp>
+    </p:spTree>
+    <p:extLst>
+      <p:ext uri="{BB962C8B-B14F-4D97-AF65-F5344CB8AC3E}">
+        <p14:creationId xmlns:p14="http://schemas.microsoft.com/office/powerpoint/2010/main" val="2379558414"/>
+      </p:ext>
+    </p:extLst>
+  </p:cSld>
+  <p:clrMapOvr>
+    <a:masterClrMapping/>
+  </p:clrMapOvr>
+</p:sld>
+</file>
+
+<file path=ppt/slides/slide3.xml><?xml version="1.0" encoding="utf-8"?>
+<p:sld xmlns:a="http://schemas.openxmlformats.org/drawingml/2006/main" xmlns:r="http://schemas.openxmlformats.org/officeDocument/2006/relationships" xmlns:p="http://schemas.openxmlformats.org/presentationml/2006/main">
+  <p:cSld>
+    <p:spTree>
+      <p:nvGrpSpPr>
+        <p:cNvPr id="1" name=""/>
+        <p:cNvGrpSpPr/>
+        <p:nvPr/>
+      </p:nvGrpSpPr>
+      <p:grpSpPr>
+        <a:xfrm>
+          <a:off x="0" y="0"/>
+          <a:ext cx="0" cy="0"/>
+          <a:chOff x="0" y="0"/>
+          <a:chExt cx="0" cy="0"/>
+        </a:xfrm>
+      </p:grpSpPr>
+      <p:sp>
+        <p:nvSpPr>
+          <p:cNvPr id="2" name="Titel 1"/>
+          <p:cNvSpPr>
+            <a:spLocks noGrp="1"/>
+          </p:cNvSpPr>
+          <p:nvPr>
+            <p:ph type="title"/>
+          </p:nvPr>
+        </p:nvSpPr>
+        <p:spPr/>
+        <p:txBody>
+          <a:bodyPr/>
+          <a:lstStyle/>
+          <a:p>
+            <a:r>
+              <a:rPr lang="de-CH" dirty="0" err="1"/>
+              <a:t>Component</a:t>
+            </a:r>
+            <a:r>
+              <a:rPr lang="de-CH" dirty="0"/>
+              <a:t> Model Development Flow</a:t>
+            </a:r>
+            <a:endParaRPr lang="de-CH" dirty="0"/>
+          </a:p>
+        </p:txBody>
+      </p:sp>
+      <p:pic>
+        <p:nvPicPr>
+          <p:cNvPr id="4" name="Inhaltsplatzhalter 3"/>
+          <p:cNvPicPr>
+            <a:picLocks noGrp="1" noChangeAspect="1"/>
+          </p:cNvPicPr>
+          <p:nvPr>
+            <p:ph idx="1"/>
+          </p:nvPr>
+        </p:nvPicPr>
+        <p:blipFill rotWithShape="1">
+          <a:blip r:embed="rId2"/>
+          <a:srcRect l="15945" t="28221" r="16563" b="13942"/>
+          <a:stretch/>
+        </p:blipFill>
+        <p:spPr>
+          <a:xfrm>
+            <a:off x="1129631" y="1929469"/>
+            <a:ext cx="9885002" cy="4764946"/>
+          </a:xfrm>
+          <a:prstGeom prst="rect">
+            <a:avLst/>
+          </a:prstGeom>
+        </p:spPr>
+      </p:pic>
+    </p:spTree>
+    <p:extLst>
+      <p:ext uri="{BB962C8B-B14F-4D97-AF65-F5344CB8AC3E}">
+        <p14:creationId xmlns:p14="http://schemas.microsoft.com/office/powerpoint/2010/main" val="3110352207"/>
+      </p:ext>
+    </p:extLst>
+  </p:cSld>
+  <p:clrMapOvr>
+    <a:masterClrMapping/>
+  </p:clrMapOvr>
+</p:sld>
+</file>
+
+<file path=ppt/slides/slide4.xml><?xml version="1.0" encoding="utf-8"?>
+<p:sld xmlns:a="http://schemas.openxmlformats.org/drawingml/2006/main" xmlns:r="http://schemas.openxmlformats.org/officeDocument/2006/relationships" xmlns:p="http://schemas.openxmlformats.org/presentationml/2006/main">
+  <p:cSld>
+    <p:spTree>
+      <p:nvGrpSpPr>
+        <p:cNvPr id="1" name=""/>
+        <p:cNvGrpSpPr/>
+        <p:nvPr/>
+      </p:nvGrpSpPr>
+      <p:grpSpPr>
+        <a:xfrm>
+          <a:off x="0" y="0"/>
+          <a:ext cx="0" cy="0"/>
+          <a:chOff x="0" y="0"/>
+          <a:chExt cx="0" cy="0"/>
+        </a:xfrm>
+      </p:grpSpPr>
+      <p:sp>
+        <p:nvSpPr>
+          <p:cNvPr id="2" name="Titel 1"/>
+          <p:cNvSpPr>
+            <a:spLocks noGrp="1"/>
+          </p:cNvSpPr>
+          <p:nvPr>
+            <p:ph type="title"/>
+          </p:nvPr>
+        </p:nvSpPr>
+        <p:spPr/>
+        <p:txBody>
+          <a:bodyPr/>
+          <a:lstStyle/>
+          <a:p>
+            <a:r>
+              <a:rPr lang="de-CH" dirty="0"/>
+              <a:t>Project </a:t>
+            </a:r>
+            <a:r>
+              <a:rPr lang="de-CH" dirty="0" err="1"/>
+              <a:t>Structure</a:t>
+            </a:r>
+            <a:endParaRPr lang="de-CH" dirty="0"/>
+          </a:p>
+        </p:txBody>
+      </p:sp>
+      <p:sp>
+        <p:nvSpPr>
+          <p:cNvPr id="3" name="Inhaltsplatzhalter 2"/>
+          <p:cNvSpPr>
+            <a:spLocks noGrp="1"/>
+          </p:cNvSpPr>
+          <p:nvPr>
+            <p:ph idx="1"/>
+          </p:nvPr>
+        </p:nvSpPr>
+        <p:spPr/>
+        <p:txBody>
+          <a:bodyPr/>
+          <a:lstStyle/>
+          <a:p>
+            <a:pPr marL="0" indent="0">
+              <a:buNone/>
+            </a:pPr>
+            <a:r>
+              <a:rPr lang="de-CH" dirty="0"/>
+              <a:t>Problem: </a:t>
+            </a:r>
+            <a:r>
+              <a:rPr lang="de-CH" dirty="0" err="1"/>
+              <a:t>Requirements</a:t>
+            </a:r>
+            <a:r>
+              <a:rPr lang="de-CH" dirty="0"/>
+              <a:t> </a:t>
+            </a:r>
+            <a:r>
+              <a:rPr lang="de-CH" dirty="0" err="1"/>
+              <a:t>and</a:t>
+            </a:r>
+            <a:r>
+              <a:rPr lang="de-CH" dirty="0"/>
+              <a:t> Project </a:t>
+            </a:r>
+            <a:r>
+              <a:rPr lang="de-CH" dirty="0" err="1"/>
+              <a:t>Organization</a:t>
+            </a:r>
+            <a:r>
+              <a:rPr lang="de-CH" dirty="0"/>
+              <a:t> (</a:t>
+            </a:r>
+            <a:r>
+              <a:rPr lang="de-CH" dirty="0" err="1"/>
+              <a:t>many</a:t>
+            </a:r>
+            <a:r>
+              <a:rPr lang="de-CH" dirty="0"/>
+              <a:t> </a:t>
+            </a:r>
+            <a:r>
+              <a:rPr lang="de-CH" dirty="0" err="1"/>
+              <a:t>common</a:t>
+            </a:r>
+            <a:r>
+              <a:rPr lang="de-CH" dirty="0"/>
+              <a:t> </a:t>
+            </a:r>
+            <a:r>
+              <a:rPr lang="de-CH" dirty="0" err="1"/>
+              <a:t>system</a:t>
+            </a:r>
+            <a:r>
+              <a:rPr lang="de-CH" dirty="0"/>
+              <a:t> </a:t>
+            </a:r>
+            <a:r>
+              <a:rPr lang="de-CH" dirty="0" err="1"/>
+              <a:t>blocks</a:t>
+            </a:r>
+            <a:r>
+              <a:rPr lang="de-CH" dirty="0"/>
+              <a:t>)</a:t>
+            </a:r>
+          </a:p>
+          <a:p>
+            <a:pPr marL="0" indent="0">
+              <a:buNone/>
+            </a:pPr>
+            <a:endParaRPr lang="de-CH" dirty="0"/>
+          </a:p>
+          <a:p>
+            <a:pPr marL="0" indent="0">
+              <a:buNone/>
+            </a:pPr>
+            <a:r>
+              <a:rPr lang="de-CH" dirty="0"/>
+              <a:t>Solution: </a:t>
+            </a:r>
+            <a:r>
+              <a:rPr lang="de-CH" dirty="0" err="1"/>
+              <a:t>Shared</a:t>
+            </a:r>
+            <a:r>
+              <a:rPr lang="de-CH" dirty="0"/>
+              <a:t> Resources</a:t>
+            </a:r>
+            <a:endParaRPr lang="de-CH" dirty="0"/>
+          </a:p>
+        </p:txBody>
+      </p:sp>
+    </p:spTree>
+    <p:extLst>
+      <p:ext uri="{BB962C8B-B14F-4D97-AF65-F5344CB8AC3E}">
+        <p14:creationId xmlns:p14="http://schemas.microsoft.com/office/powerpoint/2010/main" val="856108861"/>
+      </p:ext>
+    </p:extLst>
+  </p:cSld>
+  <p:clrMapOvr>
+    <a:masterClrMapping/>
+  </p:clrMapOvr>
+</p:sld>
+</file>
+
+<file path=ppt/slides/slide5.xml><?xml version="1.0" encoding="utf-8"?>
+<p:sld xmlns:a="http://schemas.openxmlformats.org/drawingml/2006/main" xmlns:r="http://schemas.openxmlformats.org/officeDocument/2006/relationships" xmlns:p="http://schemas.openxmlformats.org/presentationml/2006/main">
+  <p:cSld>
+    <p:spTree>
+      <p:nvGrpSpPr>
+        <p:cNvPr id="1" name=""/>
+        <p:cNvGrpSpPr/>
+        <p:nvPr/>
+      </p:nvGrpSpPr>
+      <p:grpSpPr>
+        <a:xfrm>
+          <a:off x="0" y="0"/>
+          <a:ext cx="0" cy="0"/>
+          <a:chOff x="0" y="0"/>
+          <a:chExt cx="0" cy="0"/>
+        </a:xfrm>
+      </p:grpSpPr>
+      <p:sp>
+        <p:nvSpPr>
+          <p:cNvPr id="2" name="Titel 1"/>
+          <p:cNvSpPr>
+            <a:spLocks noGrp="1"/>
+          </p:cNvSpPr>
+          <p:nvPr>
+            <p:ph type="title"/>
+          </p:nvPr>
+        </p:nvSpPr>
+        <p:spPr/>
+        <p:txBody>
+          <a:bodyPr/>
+          <a:lstStyle/>
+          <a:p>
+            <a:r>
+              <a:rPr lang="de-CH" dirty="0"/>
+              <a:t>But </a:t>
+            </a:r>
+            <a:r>
+              <a:rPr lang="de-CH" dirty="0" err="1"/>
+              <a:t>where</a:t>
+            </a:r>
+            <a:r>
+              <a:rPr lang="de-CH" dirty="0"/>
+              <a:t>?</a:t>
+            </a:r>
+          </a:p>
+        </p:txBody>
+      </p:sp>
+      <p:pic>
+        <p:nvPicPr>
+          <p:cNvPr id="4" name="Inhaltsplatzhalter 3"/>
+          <p:cNvPicPr>
+            <a:picLocks noGrp="1" noChangeAspect="1"/>
+          </p:cNvPicPr>
+          <p:nvPr>
+            <p:ph idx="1"/>
+          </p:nvPr>
+        </p:nvPicPr>
+        <p:blipFill rotWithShape="1">
+          <a:blip r:embed="rId2"/>
+          <a:srcRect l="16910" t="21087" r="16671" b="13942"/>
+          <a:stretch/>
+        </p:blipFill>
+        <p:spPr>
+          <a:xfrm>
+            <a:off x="1900449" y="1843087"/>
+            <a:ext cx="8409622" cy="4627316"/>
+          </a:xfrm>
+          <a:prstGeom prst="rect">
+            <a:avLst/>
+          </a:prstGeom>
+        </p:spPr>
+      </p:pic>
+    </p:spTree>
+    <p:extLst>
+      <p:ext uri="{BB962C8B-B14F-4D97-AF65-F5344CB8AC3E}">
+        <p14:creationId xmlns:p14="http://schemas.microsoft.com/office/powerpoint/2010/main" val="3202450585"/>
+      </p:ext>
+    </p:extLst>
+  </p:cSld>
+  <p:clrMapOvr>
+    <a:masterClrMapping/>
+  </p:clrMapOvr>
+</p:sld>
+</file>
+
+<file path=ppt/slides/slide6.xml><?xml version="1.0" encoding="utf-8"?>
+<p:sld xmlns:a="http://schemas.openxmlformats.org/drawingml/2006/main" xmlns:r="http://schemas.openxmlformats.org/officeDocument/2006/relationships" xmlns:p="http://schemas.openxmlformats.org/presentationml/2006/main">
+  <p:cSld>
+    <p:spTree>
+      <p:nvGrpSpPr>
+        <p:cNvPr id="1" name=""/>
+        <p:cNvGrpSpPr/>
+        <p:nvPr/>
+      </p:nvGrpSpPr>
+      <p:grpSpPr>
+        <a:xfrm>
+          <a:off x="0" y="0"/>
+          <a:ext cx="0" cy="0"/>
+          <a:chOff x="0" y="0"/>
+          <a:chExt cx="0" cy="0"/>
+        </a:xfrm>
+      </p:grpSpPr>
+      <p:sp>
+        <p:nvSpPr>
+          <p:cNvPr id="2" name="Titel 1"/>
+          <p:cNvSpPr>
+            <a:spLocks noGrp="1"/>
+          </p:cNvSpPr>
+          <p:nvPr>
+            <p:ph type="title"/>
+          </p:nvPr>
+        </p:nvSpPr>
+        <p:spPr/>
+        <p:txBody>
+          <a:bodyPr/>
+          <a:lstStyle/>
+          <a:p>
+            <a:r>
+              <a:rPr lang="de-CH" dirty="0"/>
+              <a:t>Common </a:t>
+            </a:r>
+            <a:r>
+              <a:rPr lang="de-CH" dirty="0" err="1"/>
+              <a:t>folders</a:t>
+            </a:r>
+            <a:r>
+              <a:rPr lang="de-CH" dirty="0"/>
+              <a:t> </a:t>
+            </a:r>
+            <a:r>
+              <a:rPr lang="de-CH" dirty="0" err="1"/>
+              <a:t>with</a:t>
+            </a:r>
+            <a:r>
+              <a:rPr lang="de-CH" dirty="0"/>
+              <a:t> links</a:t>
+            </a:r>
+          </a:p>
+        </p:txBody>
+      </p:sp>
+      <p:pic>
+        <p:nvPicPr>
+          <p:cNvPr id="4" name="Inhaltsplatzhalter 3"/>
+          <p:cNvPicPr>
+            <a:picLocks noGrp="1" noChangeAspect="1"/>
+          </p:cNvPicPr>
+          <p:nvPr>
+            <p:ph idx="1"/>
+          </p:nvPr>
+        </p:nvPicPr>
+        <p:blipFill rotWithShape="1">
+          <a:blip r:embed="rId2"/>
+          <a:srcRect l="17031" t="21280" r="19925" b="8737"/>
+          <a:stretch/>
+        </p:blipFill>
+        <p:spPr>
+          <a:xfrm>
+            <a:off x="1599387" y="1326607"/>
+            <a:ext cx="8769406" cy="5475720"/>
+          </a:xfrm>
+          <a:prstGeom prst="rect">
+            <a:avLst/>
+          </a:prstGeom>
+        </p:spPr>
+      </p:pic>
+    </p:spTree>
+    <p:extLst>
+      <p:ext uri="{BB962C8B-B14F-4D97-AF65-F5344CB8AC3E}">
+        <p14:creationId xmlns:p14="http://schemas.microsoft.com/office/powerpoint/2010/main" val="1708406708"/>
+      </p:ext>
+    </p:extLst>
+  </p:cSld>
+  <p:clrMapOvr>
+    <a:masterClrMapping/>
+  </p:clrMapOvr>
+</p:sld>
+</file>
+
+<file path=ppt/slides/slide7.xml><?xml version="1.0" encoding="utf-8"?>
+<p:sld xmlns:a="http://schemas.openxmlformats.org/drawingml/2006/main" xmlns:r="http://schemas.openxmlformats.org/officeDocument/2006/relationships" xmlns:p="http://schemas.openxmlformats.org/presentationml/2006/main">
+  <p:cSld>
+    <p:spTree>
+      <p:nvGrpSpPr>
+        <p:cNvPr id="1" name=""/>
+        <p:cNvGrpSpPr/>
+        <p:nvPr/>
+      </p:nvGrpSpPr>
+      <p:grpSpPr>
+        <a:xfrm>
+          <a:off x="0" y="0"/>
+          <a:ext cx="0" cy="0"/>
+          <a:chOff x="0" y="0"/>
+          <a:chExt cx="0" cy="0"/>
+        </a:xfrm>
+      </p:grpSpPr>
+      <p:sp>
+        <p:nvSpPr>
+          <p:cNvPr id="2" name="Titel 1"/>
+          <p:cNvSpPr>
+            <a:spLocks noGrp="1"/>
+          </p:cNvSpPr>
+          <p:nvPr>
+            <p:ph type="title"/>
+          </p:nvPr>
+        </p:nvSpPr>
+        <p:spPr/>
+        <p:txBody>
+          <a:bodyPr/>
+          <a:lstStyle/>
+          <a:p>
+            <a:r>
+              <a:rPr lang="de-CH" dirty="0" err="1"/>
+              <a:t>Questions</a:t>
+            </a:r>
+            <a:endParaRPr lang="de-CH" dirty="0"/>
+          </a:p>
+        </p:txBody>
+      </p:sp>
+      <p:sp>
+        <p:nvSpPr>
+          <p:cNvPr id="3" name="Inhaltsplatzhalter 2"/>
+          <p:cNvSpPr>
+            <a:spLocks noGrp="1"/>
+          </p:cNvSpPr>
+          <p:nvPr>
+            <p:ph idx="1"/>
+          </p:nvPr>
+        </p:nvSpPr>
+        <p:spPr/>
+        <p:txBody>
+          <a:bodyPr/>
+          <a:lstStyle/>
+          <a:p>
+            <a:r>
+              <a:rPr lang="de-CH" dirty="0" err="1"/>
+              <a:t>Why</a:t>
+            </a:r>
+            <a:r>
+              <a:rPr lang="de-CH" dirty="0"/>
+              <a:t> </a:t>
+            </a:r>
+            <a:r>
+              <a:rPr lang="de-CH" dirty="0" err="1"/>
+              <a:t>shouldn’t</a:t>
+            </a:r>
+            <a:r>
+              <a:rPr lang="de-CH" dirty="0"/>
+              <a:t> </a:t>
+            </a:r>
+            <a:r>
+              <a:rPr lang="de-CH" dirty="0" err="1"/>
+              <a:t>you</a:t>
+            </a:r>
+            <a:r>
+              <a:rPr lang="de-CH" dirty="0"/>
+              <a:t> </a:t>
+            </a:r>
+            <a:r>
+              <a:rPr lang="de-CH" dirty="0" err="1"/>
+              <a:t>share</a:t>
+            </a:r>
+            <a:r>
+              <a:rPr lang="de-CH" dirty="0"/>
+              <a:t> </a:t>
+            </a:r>
+            <a:r>
+              <a:rPr lang="de-CH" dirty="0" err="1"/>
+              <a:t>the</a:t>
+            </a:r>
+            <a:r>
+              <a:rPr lang="de-CH" dirty="0"/>
+              <a:t> </a:t>
+            </a:r>
+            <a:r>
+              <a:rPr lang="de-CH" dirty="0" err="1"/>
+              <a:t>processor</a:t>
+            </a:r>
+            <a:r>
+              <a:rPr lang="de-CH" dirty="0"/>
+              <a:t> expert </a:t>
+            </a:r>
+            <a:r>
+              <a:rPr lang="de-CH" dirty="0" err="1"/>
+              <a:t>file</a:t>
+            </a:r>
+            <a:r>
+              <a:rPr lang="de-CH" dirty="0"/>
+              <a:t>?</a:t>
+            </a:r>
+          </a:p>
+          <a:p>
+            <a:r>
+              <a:rPr lang="de-CH" dirty="0"/>
+              <a:t>Name </a:t>
+            </a:r>
+            <a:r>
+              <a:rPr lang="de-CH" dirty="0" err="1"/>
+              <a:t>three</a:t>
+            </a:r>
+            <a:r>
+              <a:rPr lang="de-CH" dirty="0"/>
+              <a:t> </a:t>
+            </a:r>
+            <a:r>
+              <a:rPr lang="de-CH" dirty="0" err="1"/>
+              <a:t>components</a:t>
+            </a:r>
+            <a:r>
+              <a:rPr lang="de-CH" dirty="0"/>
+              <a:t> </a:t>
+            </a:r>
+            <a:r>
+              <a:rPr lang="de-CH" dirty="0" err="1"/>
+              <a:t>you</a:t>
+            </a:r>
+            <a:r>
+              <a:rPr lang="de-CH" dirty="0"/>
+              <a:t> </a:t>
+            </a:r>
+            <a:r>
+              <a:rPr lang="de-CH" dirty="0" err="1"/>
+              <a:t>can</a:t>
+            </a:r>
+            <a:r>
+              <a:rPr lang="de-CH" dirty="0"/>
+              <a:t> </a:t>
+            </a:r>
+            <a:r>
+              <a:rPr lang="de-CH" dirty="0" err="1"/>
+              <a:t>add</a:t>
+            </a:r>
+            <a:r>
+              <a:rPr lang="de-CH" dirty="0"/>
+              <a:t> </a:t>
+            </a:r>
+            <a:r>
+              <a:rPr lang="de-CH" dirty="0" err="1"/>
+              <a:t>with</a:t>
+            </a:r>
+            <a:r>
+              <a:rPr lang="de-CH" dirty="0"/>
+              <a:t> </a:t>
+            </a:r>
+            <a:r>
+              <a:rPr lang="de-CH" dirty="0" err="1"/>
+              <a:t>processor</a:t>
+            </a:r>
+            <a:r>
+              <a:rPr lang="de-CH" dirty="0"/>
+              <a:t> expert.</a:t>
+            </a:r>
+          </a:p>
+          <a:p>
+            <a:endParaRPr lang="de-CH" dirty="0"/>
+          </a:p>
+          <a:p>
+            <a:r>
+              <a:rPr lang="de-CH" dirty="0" err="1"/>
+              <a:t>What</a:t>
+            </a:r>
+            <a:r>
+              <a:rPr lang="de-CH" dirty="0"/>
+              <a:t> </a:t>
+            </a:r>
+            <a:r>
+              <a:rPr lang="de-CH" dirty="0" err="1"/>
+              <a:t>are</a:t>
+            </a:r>
+            <a:r>
+              <a:rPr lang="de-CH" dirty="0"/>
+              <a:t> </a:t>
+            </a:r>
+            <a:r>
+              <a:rPr lang="de-CH" dirty="0" err="1"/>
+              <a:t>the</a:t>
+            </a:r>
+            <a:r>
+              <a:rPr lang="de-CH" dirty="0"/>
+              <a:t> </a:t>
+            </a:r>
+            <a:r>
+              <a:rPr lang="de-CH" dirty="0" err="1"/>
+              <a:t>advantages</a:t>
+            </a:r>
+            <a:r>
+              <a:rPr lang="de-CH" dirty="0"/>
+              <a:t> </a:t>
+            </a:r>
+            <a:r>
+              <a:rPr lang="de-CH" dirty="0" err="1"/>
+              <a:t>and</a:t>
+            </a:r>
+            <a:r>
+              <a:rPr lang="de-CH" dirty="0"/>
+              <a:t> </a:t>
+            </a:r>
+            <a:r>
+              <a:rPr lang="de-CH" dirty="0" err="1"/>
+              <a:t>disadventages</a:t>
+            </a:r>
+            <a:r>
+              <a:rPr lang="de-CH" dirty="0"/>
+              <a:t> </a:t>
+            </a:r>
+            <a:r>
+              <a:rPr lang="de-CH" dirty="0" err="1"/>
+              <a:t>of</a:t>
+            </a:r>
+            <a:r>
+              <a:rPr lang="de-CH" dirty="0"/>
+              <a:t> </a:t>
+            </a:r>
+            <a:r>
+              <a:rPr lang="de-CH" dirty="0" err="1"/>
+              <a:t>linked</a:t>
+            </a:r>
+            <a:r>
+              <a:rPr lang="de-CH" dirty="0"/>
+              <a:t> </a:t>
+            </a:r>
+            <a:r>
+              <a:rPr lang="de-CH" dirty="0" err="1"/>
+              <a:t>folders</a:t>
+            </a:r>
+            <a:r>
+              <a:rPr lang="de-CH" dirty="0"/>
+              <a:t>?</a:t>
+            </a:r>
+          </a:p>
+          <a:p>
+            <a:r>
+              <a:rPr lang="de-CH" dirty="0"/>
+              <a:t>Can </a:t>
+            </a:r>
+            <a:r>
+              <a:rPr lang="de-CH" dirty="0" err="1"/>
+              <a:t>you</a:t>
+            </a:r>
+            <a:r>
+              <a:rPr lang="de-CH" dirty="0"/>
+              <a:t> </a:t>
+            </a:r>
+            <a:r>
+              <a:rPr lang="de-CH" dirty="0" err="1"/>
+              <a:t>think</a:t>
+            </a:r>
+            <a:r>
+              <a:rPr lang="de-CH" dirty="0"/>
+              <a:t> </a:t>
+            </a:r>
+            <a:r>
+              <a:rPr lang="de-CH" dirty="0" err="1"/>
+              <a:t>of</a:t>
+            </a:r>
+            <a:r>
+              <a:rPr lang="de-CH" dirty="0"/>
+              <a:t> a different </a:t>
+            </a:r>
+            <a:r>
+              <a:rPr lang="de-CH" dirty="0" err="1"/>
+              <a:t>solution</a:t>
+            </a:r>
+            <a:r>
+              <a:rPr lang="de-CH" dirty="0"/>
+              <a:t> </a:t>
+            </a:r>
+            <a:r>
+              <a:rPr lang="de-CH" dirty="0" err="1"/>
+              <a:t>to</a:t>
+            </a:r>
+            <a:r>
+              <a:rPr lang="de-CH" dirty="0"/>
+              <a:t> </a:t>
+            </a:r>
+            <a:r>
+              <a:rPr lang="de-CH" dirty="0" err="1"/>
+              <a:t>share</a:t>
+            </a:r>
+            <a:r>
+              <a:rPr lang="de-CH" dirty="0"/>
+              <a:t> </a:t>
+            </a:r>
+            <a:r>
+              <a:rPr lang="de-CH" dirty="0" err="1"/>
+              <a:t>code</a:t>
+            </a:r>
+            <a:r>
+              <a:rPr lang="de-CH" dirty="0"/>
+              <a:t> / </a:t>
+            </a:r>
+            <a:r>
+              <a:rPr lang="de-CH" dirty="0" err="1"/>
+              <a:t>system</a:t>
+            </a:r>
+            <a:r>
+              <a:rPr lang="de-CH" dirty="0"/>
+              <a:t> </a:t>
+            </a:r>
+            <a:r>
+              <a:rPr lang="de-CH" dirty="0" err="1"/>
+              <a:t>blocks</a:t>
+            </a:r>
+            <a:r>
+              <a:rPr lang="de-CH" dirty="0"/>
+              <a:t>?</a:t>
+            </a:r>
+          </a:p>
+        </p:txBody>
+      </p:sp>
+    </p:spTree>
+    <p:extLst>
+      <p:ext uri="{BB962C8B-B14F-4D97-AF65-F5344CB8AC3E}">
+        <p14:creationId xmlns:p14="http://schemas.microsoft.com/office/powerpoint/2010/main" val="1517314548"/>
       </p:ext>
     </p:extLst>
   </p:cSld>
